--- a/SoppingBuy專案1.pptx
+++ b/SoppingBuy專案1.pptx
@@ -1323,7 +1323,7 @@
             <a:fld id="{B61BEF0D-F0BB-DE4B-95CE-6DB70DBA9567}" type="datetimeFigureOut">
               <a:rPr lang="en-US" dirty="0"/>
               <a:pPr/>
-              <a:t>10/14/2025</a:t>
+              <a:t>10/15/2025</a:t>
             </a:fld>
             <a:endParaRPr lang="en-US" dirty="0"/>
           </a:p>
@@ -1571,7 +1571,7 @@
             <a:fld id="{B61BEF0D-F0BB-DE4B-95CE-6DB70DBA9567}" type="datetimeFigureOut">
               <a:rPr lang="en-US" dirty="0"/>
               <a:pPr/>
-              <a:t>10/14/2025</a:t>
+              <a:t>10/15/2025</a:t>
             </a:fld>
             <a:endParaRPr lang="en-US" dirty="0"/>
           </a:p>
@@ -1882,7 +1882,7 @@
             <a:fld id="{B61BEF0D-F0BB-DE4B-95CE-6DB70DBA9567}" type="datetimeFigureOut">
               <a:rPr lang="en-US" dirty="0"/>
               <a:pPr/>
-              <a:t>10/14/2025</a:t>
+              <a:t>10/15/2025</a:t>
             </a:fld>
             <a:endParaRPr lang="en-US" dirty="0"/>
           </a:p>
@@ -2206,7 +2206,7 @@
             <a:fld id="{B61BEF0D-F0BB-DE4B-95CE-6DB70DBA9567}" type="datetimeFigureOut">
               <a:rPr lang="en-US" dirty="0"/>
               <a:pPr/>
-              <a:t>10/14/2025</a:t>
+              <a:t>10/15/2025</a:t>
             </a:fld>
             <a:endParaRPr lang="en-US" dirty="0"/>
           </a:p>
@@ -2517,7 +2517,7 @@
             <a:fld id="{B61BEF0D-F0BB-DE4B-95CE-6DB70DBA9567}" type="datetimeFigureOut">
               <a:rPr lang="en-US" dirty="0"/>
               <a:pPr/>
-              <a:t>10/14/2025</a:t>
+              <a:t>10/15/2025</a:t>
             </a:fld>
             <a:endParaRPr lang="en-US" dirty="0"/>
           </a:p>
@@ -2901,7 +2901,7 @@
             <a:fld id="{B61BEF0D-F0BB-DE4B-95CE-6DB70DBA9567}" type="datetimeFigureOut">
               <a:rPr lang="en-US" dirty="0"/>
               <a:pPr/>
-              <a:t>10/14/2025</a:t>
+              <a:t>10/15/2025</a:t>
             </a:fld>
             <a:endParaRPr lang="en-US" dirty="0"/>
           </a:p>
@@ -3067,7 +3067,7 @@
           <a:p>
             <a:fld id="{55C6B4A9-1611-4792-9094-5F34BCA07E0B}" type="datetimeFigureOut">
               <a:rPr lang="en-US" dirty="0"/>
-              <a:t>10/14/2025</a:t>
+              <a:t>10/15/2025</a:t>
             </a:fld>
             <a:endParaRPr lang="en-US" dirty="0"/>
           </a:p>
@@ -3243,7 +3243,7 @@
             <a:fld id="{B61BEF0D-F0BB-DE4B-95CE-6DB70DBA9567}" type="datetimeFigureOut">
               <a:rPr lang="en-US" dirty="0"/>
               <a:pPr/>
-              <a:t>10/14/2025</a:t>
+              <a:t>10/15/2025</a:t>
             </a:fld>
             <a:endParaRPr lang="en-US" dirty="0"/>
           </a:p>
@@ -3409,7 +3409,7 @@
           <a:p>
             <a:fld id="{42A54C80-263E-416B-A8E0-580EDEADCBDC}" type="datetimeFigureOut">
               <a:rPr lang="en-US" dirty="0"/>
-              <a:t>10/14/2025</a:t>
+              <a:t>10/15/2025</a:t>
             </a:fld>
             <a:endParaRPr lang="en-US" dirty="0"/>
           </a:p>
@@ -3652,7 +3652,7 @@
             <a:fld id="{B61BEF0D-F0BB-DE4B-95CE-6DB70DBA9567}" type="datetimeFigureOut">
               <a:rPr lang="en-US" dirty="0"/>
               <a:pPr/>
-              <a:t>10/14/2025</a:t>
+              <a:t>10/15/2025</a:t>
             </a:fld>
             <a:endParaRPr lang="en-US" dirty="0"/>
           </a:p>
@@ -3880,7 +3880,7 @@
           <a:p>
             <a:fld id="{42A54C80-263E-416B-A8E0-580EDEADCBDC}" type="datetimeFigureOut">
               <a:rPr lang="en-US" dirty="0"/>
-              <a:t>10/14/2025</a:t>
+              <a:t>10/15/2025</a:t>
             </a:fld>
             <a:endParaRPr lang="en-US" dirty="0"/>
           </a:p>
@@ -4250,7 +4250,7 @@
             <a:fld id="{B61BEF0D-F0BB-DE4B-95CE-6DB70DBA9567}" type="datetimeFigureOut">
               <a:rPr lang="en-US" dirty="0"/>
               <a:pPr/>
-              <a:t>10/14/2025</a:t>
+              <a:t>10/15/2025</a:t>
             </a:fld>
             <a:endParaRPr lang="en-US" dirty="0"/>
           </a:p>
@@ -4370,7 +4370,7 @@
             <a:fld id="{B61BEF0D-F0BB-DE4B-95CE-6DB70DBA9567}" type="datetimeFigureOut">
               <a:rPr lang="en-US" dirty="0"/>
               <a:pPr/>
-              <a:t>10/14/2025</a:t>
+              <a:t>10/15/2025</a:t>
             </a:fld>
             <a:endParaRPr lang="en-US" dirty="0"/>
           </a:p>
@@ -4462,7 +4462,7 @@
             <a:fld id="{B61BEF0D-F0BB-DE4B-95CE-6DB70DBA9567}" type="datetimeFigureOut">
               <a:rPr lang="en-US" dirty="0"/>
               <a:pPr/>
-              <a:t>10/14/2025</a:t>
+              <a:t>10/15/2025</a:t>
             </a:fld>
             <a:endParaRPr lang="en-US" dirty="0"/>
           </a:p>
@@ -4713,7 +4713,7 @@
           <a:p>
             <a:fld id="{42A54C80-263E-416B-A8E0-580EDEADCBDC}" type="datetimeFigureOut">
               <a:rPr lang="en-US" dirty="0"/>
-              <a:t>10/14/2025</a:t>
+              <a:t>10/15/2025</a:t>
             </a:fld>
             <a:endParaRPr lang="en-US" dirty="0"/>
           </a:p>
@@ -4972,7 +4972,7 @@
             <a:fld id="{B61BEF0D-F0BB-DE4B-95CE-6DB70DBA9567}" type="datetimeFigureOut">
               <a:rPr lang="en-US" dirty="0"/>
               <a:pPr/>
-              <a:t>10/14/2025</a:t>
+              <a:t>10/15/2025</a:t>
             </a:fld>
             <a:endParaRPr lang="en-US" dirty="0"/>
           </a:p>
@@ -5036,7 +5036,7 @@
       <p:bgPr>
         <a:pattFill prst="pct5">
           <a:fgClr>
-            <a:schemeClr val="accent1"/>
+            <a:schemeClr val="bg1"/>
           </a:fgClr>
           <a:bgClr>
             <a:schemeClr val="bg1"/>
@@ -5722,7 +5722,7 @@
             <a:fld id="{B61BEF0D-F0BB-DE4B-95CE-6DB70DBA9567}" type="datetimeFigureOut">
               <a:rPr lang="en-US" dirty="0"/>
               <a:pPr/>
-              <a:t>10/14/2025</a:t>
+              <a:t>10/15/2025</a:t>
             </a:fld>
             <a:endParaRPr lang="en-US" dirty="0"/>
           </a:p>
@@ -6250,19 +6250,6 @@
 <file path=ppt/slides/slide1.xml><?xml version="1.0" encoding="utf-8"?>
 <p:sld xmlns:a="http://schemas.openxmlformats.org/drawingml/2006/main" xmlns:r="http://schemas.openxmlformats.org/officeDocument/2006/relationships" xmlns:p="http://schemas.openxmlformats.org/presentationml/2006/main">
   <p:cSld>
-    <p:bg>
-      <p:bgPr>
-        <a:pattFill prst="pct5">
-          <a:fgClr>
-            <a:schemeClr val="bg1"/>
-          </a:fgClr>
-          <a:bgClr>
-            <a:schemeClr val="bg1"/>
-          </a:bgClr>
-        </a:pattFill>
-        <a:effectLst/>
-      </p:bgPr>
-    </p:bg>
     <p:spTree>
       <p:nvGrpSpPr>
         <p:cNvPr id="1" name=""/>
@@ -6420,7 +6407,7 @@
         </p:nvSpPr>
         <p:spPr>
           <a:xfrm>
-            <a:off x="820994" y="5657671"/>
+            <a:off x="712840" y="5395487"/>
             <a:ext cx="4876800" cy="1200329"/>
           </a:xfrm>
           <a:prstGeom prst="rect">
@@ -6668,63 +6655,28 @@
             <p:ph type="title"/>
           </p:nvPr>
         </p:nvSpPr>
-        <p:spPr>
-          <a:xfrm>
-            <a:off x="677334" y="609600"/>
-            <a:ext cx="8596668" cy="1091381"/>
-          </a:xfrm>
-        </p:spPr>
-        <p:txBody>
-          <a:bodyPr>
-            <a:noAutofit/>
-          </a:bodyPr>
+        <p:spPr/>
+        <p:txBody>
+          <a:bodyPr/>
           <a:lstStyle/>
           <a:p>
             <a:pPr algn="ctr"/>
             <a:r>
-              <a:rPr lang="zh-TW" altLang="en-US" sz="4000" dirty="0">
-                <a:solidFill>
-                  <a:schemeClr val="tx1"/>
-                </a:solidFill>
-              </a:rPr>
-              <a:t>個人智慧</a:t>
-            </a:r>
-            <a:r>
-              <a:rPr lang="zh-TW" altLang="en-US" sz="4000" b="1" dirty="0">
-                <a:solidFill>
-                  <a:schemeClr val="tx1"/>
-                </a:solidFill>
-              </a:rPr>
-              <a:t>服裝</a:t>
-            </a:r>
-            <a:r>
-              <a:rPr lang="zh-TW" altLang="en-US" sz="4000" dirty="0">
-                <a:solidFill>
-                  <a:schemeClr val="tx1"/>
-                </a:solidFill>
-              </a:rPr>
-              <a:t>線上商務平台大綱</a:t>
-            </a:r>
-            <a:r>
-              <a:rPr lang="en-US" altLang="zh-TW" sz="4000" dirty="0">
-                <a:solidFill>
-                  <a:schemeClr val="tx1"/>
-                </a:solidFill>
-              </a:rPr>
+              <a:rPr lang="zh-TW" altLang="en-US" dirty="0" smtClean="0"/>
+              <a:t>個人智慧服裝線上商務平台大綱</a:t>
+            </a:r>
+            <a:r>
+              <a:rPr lang="en-US" altLang="zh-TW" dirty="0" smtClean="0"/>
               <a:t>:</a:t>
             </a:r>
+            <a:r>
+              <a:rPr lang="zh-TW" altLang="en-US" dirty="0" smtClean="0"/>
+              <a:t/>
+            </a:r>
             <a:br>
-              <a:rPr lang="zh-TW" altLang="en-US" sz="4000" dirty="0">
-                <a:solidFill>
-                  <a:schemeClr val="tx1"/>
-                </a:solidFill>
-              </a:rPr>
+              <a:rPr lang="zh-TW" altLang="en-US" dirty="0" smtClean="0"/>
             </a:br>
-            <a:endParaRPr lang="zh-TW" altLang="en-US" sz="4000" dirty="0">
-              <a:solidFill>
-                <a:schemeClr val="tx1"/>
-              </a:solidFill>
-            </a:endParaRPr>
+            <a:endParaRPr lang="zh-TW" altLang="en-US" dirty="0"/>
           </a:p>
         </p:txBody>
       </p:sp>
@@ -6742,7 +6694,7 @@
         </p:nvSpPr>
         <p:spPr>
           <a:xfrm>
-            <a:off x="2260328" y="1602659"/>
+            <a:off x="2352325" y="1650330"/>
             <a:ext cx="6558116" cy="3477875"/>
           </a:xfrm>
           <a:prstGeom prst="rect">
@@ -6826,6 +6778,10 @@
             <a:r>
               <a:rPr lang="zh-TW" altLang="en-US" sz="4400" dirty="0"/>
               <a:t>前端介紹</a:t>
+            </a:r>
+            <a:r>
+              <a:rPr lang="en-US" altLang="zh-TW" sz="4400" dirty="0"/>
+              <a:t/>
             </a:r>
             <a:br>
               <a:rPr lang="en-US" altLang="zh-TW" sz="4400" dirty="0"/>
@@ -6963,7 +6919,7 @@
         </p:nvSpPr>
         <p:spPr>
           <a:xfrm>
-            <a:off x="363794" y="1740310"/>
+            <a:off x="432374" y="1425677"/>
             <a:ext cx="3795251" cy="369332"/>
           </a:xfrm>
           <a:prstGeom prst="rect">
@@ -6978,9 +6934,100 @@
           <a:lstStyle/>
           <a:p>
             <a:r>
-              <a:rPr lang="zh-TW" altLang="en-US" dirty="0"/>
-              <a:t>首頁預設會顯示登入畫面</a:t>
-            </a:r>
+              <a:rPr lang="zh-TW" altLang="en-US" b="1" dirty="0" smtClean="0"/>
+              <a:t>首頁</a:t>
+            </a:r>
+            <a:r>
+              <a:rPr lang="zh-TW" altLang="en-US" b="1" dirty="0"/>
+              <a:t>預設會顯示登入畫面</a:t>
+            </a:r>
+          </a:p>
+        </p:txBody>
+      </p:sp>
+      <p:sp>
+        <p:nvSpPr>
+          <p:cNvPr id="5" name="文字方塊 4"/>
+          <p:cNvSpPr txBox="1"/>
+          <p:nvPr/>
+        </p:nvSpPr>
+        <p:spPr>
+          <a:xfrm>
+            <a:off x="438395" y="1806988"/>
+            <a:ext cx="2926080" cy="369332"/>
+          </a:xfrm>
+          <a:prstGeom prst="rect">
+            <a:avLst/>
+          </a:prstGeom>
+          <a:noFill/>
+        </p:spPr>
+        <p:txBody>
+          <a:bodyPr wrap="square" rtlCol="0">
+            <a:spAutoFit/>
+          </a:bodyPr>
+          <a:lstStyle/>
+          <a:p>
+            <a:r>
+              <a:rPr lang="zh-TW" altLang="en-US" dirty="0" smtClean="0">
+                <a:ln w="0"/>
+                <a:effectLst>
+                  <a:outerShdw blurRad="38100" dist="19050" dir="2700000" algn="tl" rotWithShape="0">
+                    <a:schemeClr val="dk1">
+                      <a:alpha val="40000"/>
+                    </a:schemeClr>
+                  </a:outerShdw>
+                </a:effectLst>
+              </a:rPr>
+              <a:t>輸入</a:t>
+            </a:r>
+            <a:r>
+              <a:rPr lang="zh-TW" altLang="en-US" dirty="0" smtClean="0">
+                <a:ln w="0"/>
+                <a:effectLst>
+                  <a:outerShdw blurRad="38100" dist="19050" dir="2700000" algn="tl" rotWithShape="0">
+                    <a:schemeClr val="dk1">
+                      <a:alpha val="40000"/>
+                    </a:schemeClr>
+                  </a:outerShdw>
+                </a:effectLst>
+              </a:rPr>
+              <a:t>帳號跟密碼</a:t>
+            </a:r>
+            <a:endParaRPr lang="zh-TW" altLang="en-US" dirty="0">
+              <a:ln w="0"/>
+              <a:effectLst>
+                <a:outerShdw blurRad="38100" dist="19050" dir="2700000" algn="tl" rotWithShape="0">
+                  <a:schemeClr val="dk1">
+                    <a:alpha val="40000"/>
+                  </a:schemeClr>
+                </a:outerShdw>
+              </a:effectLst>
+            </a:endParaRPr>
+          </a:p>
+        </p:txBody>
+      </p:sp>
+      <p:sp>
+        <p:nvSpPr>
+          <p:cNvPr id="6" name="文字方塊 5"/>
+          <p:cNvSpPr txBox="1"/>
+          <p:nvPr/>
+        </p:nvSpPr>
+        <p:spPr>
+          <a:xfrm>
+            <a:off x="2686050" y="2080260"/>
+            <a:ext cx="184731" cy="369332"/>
+          </a:xfrm>
+          <a:prstGeom prst="rect">
+            <a:avLst/>
+          </a:prstGeom>
+          <a:noFill/>
+        </p:spPr>
+        <p:txBody>
+          <a:bodyPr wrap="none" rtlCol="0">
+            <a:spAutoFit/>
+          </a:bodyPr>
+          <a:lstStyle/>
+          <a:p>
+            <a:endParaRPr lang="zh-TW" altLang="en-US" dirty="0"/>
           </a:p>
         </p:txBody>
       </p:sp>
@@ -7049,7 +7096,23 @@
                   <a:schemeClr val="tx1"/>
                 </a:solidFill>
               </a:rPr>
-              <a:t>2.</a:t>
+              <a:t>2</a:t>
+            </a:r>
+            <a:r>
+              <a:rPr lang="en-US" altLang="zh-TW" sz="4800" dirty="0" smtClean="0">
+                <a:solidFill>
+                  <a:schemeClr val="tx1"/>
+                </a:solidFill>
+              </a:rPr>
+              <a:t>.</a:t>
+            </a:r>
+            <a:r>
+              <a:rPr lang="zh-TW" altLang="en-US" sz="4800" dirty="0" smtClean="0">
+                <a:solidFill>
+                  <a:schemeClr val="tx1"/>
+                </a:solidFill>
+              </a:rPr>
+              <a:t>商品</a:t>
             </a:r>
             <a:r>
               <a:rPr lang="zh-TW" altLang="en-US" sz="4800" dirty="0">
@@ -7057,7 +7120,7 @@
                   <a:schemeClr val="tx1"/>
                 </a:solidFill>
               </a:rPr>
-              <a:t>瀏覽商品</a:t>
+              <a:t>首頁</a:t>
             </a:r>
           </a:p>
         </p:txBody>
@@ -7269,7 +7332,7 @@
           <a:bodyPr/>
           <a:lstStyle/>
           <a:p>
-            <a:endParaRPr lang="zh-TW" altLang="en-US"/>
+            <a:endParaRPr lang="zh-TW" altLang="en-US" dirty="0"/>
           </a:p>
         </p:txBody>
       </p:sp>
@@ -7559,7 +7622,7 @@
           <a:p>
             <a:pPr algn="ctr"/>
             <a:r>
-              <a:rPr lang="zh-TW" altLang="en-US" sz="9600" dirty="0">
+              <a:rPr lang="zh-TW" altLang="en-US" sz="8000" dirty="0">
                 <a:solidFill>
                   <a:schemeClr val="tx1"/>
                 </a:solidFill>
@@ -7567,14 +7630,14 @@
               <a:t>結論</a:t>
             </a:r>
             <a:r>
-              <a:rPr lang="en-US" altLang="zh-TW" sz="9600" dirty="0">
+              <a:rPr lang="en-US" altLang="zh-TW" sz="8000" dirty="0">
                 <a:solidFill>
                   <a:schemeClr val="tx1"/>
                 </a:solidFill>
               </a:rPr>
               <a:t>:</a:t>
             </a:r>
-            <a:endParaRPr lang="zh-TW" altLang="en-US" sz="9600" dirty="0">
+            <a:endParaRPr lang="zh-TW" altLang="en-US" sz="8000" dirty="0">
               <a:solidFill>
                 <a:schemeClr val="tx1"/>
               </a:solidFill>
